--- a/figures/feyn_sum.pptx
+++ b/figures/feyn_sum.pptx
@@ -254,7 +254,7 @@
           <a:p>
             <a:fld id="{7F50AB7E-F60A-8B47-966F-1DEFCE34FE71}" type="datetimeFigureOut">
               <a:rPr lang="en-US" smtClean="0"/>
-              <a:t>1/14/20</a:t>
+              <a:t>1/15/20</a:t>
             </a:fld>
             <a:endParaRPr lang="en-US"/>
           </a:p>
@@ -424,7 +424,7 @@
           <a:p>
             <a:fld id="{7F50AB7E-F60A-8B47-966F-1DEFCE34FE71}" type="datetimeFigureOut">
               <a:rPr lang="en-US" smtClean="0"/>
-              <a:t>1/14/20</a:t>
+              <a:t>1/15/20</a:t>
             </a:fld>
             <a:endParaRPr lang="en-US"/>
           </a:p>
@@ -604,7 +604,7 @@
           <a:p>
             <a:fld id="{7F50AB7E-F60A-8B47-966F-1DEFCE34FE71}" type="datetimeFigureOut">
               <a:rPr lang="en-US" smtClean="0"/>
-              <a:t>1/14/20</a:t>
+              <a:t>1/15/20</a:t>
             </a:fld>
             <a:endParaRPr lang="en-US"/>
           </a:p>
@@ -774,7 +774,7 @@
           <a:p>
             <a:fld id="{7F50AB7E-F60A-8B47-966F-1DEFCE34FE71}" type="datetimeFigureOut">
               <a:rPr lang="en-US" smtClean="0"/>
-              <a:t>1/14/20</a:t>
+              <a:t>1/15/20</a:t>
             </a:fld>
             <a:endParaRPr lang="en-US"/>
           </a:p>
@@ -1020,7 +1020,7 @@
           <a:p>
             <a:fld id="{7F50AB7E-F60A-8B47-966F-1DEFCE34FE71}" type="datetimeFigureOut">
               <a:rPr lang="en-US" smtClean="0"/>
-              <a:t>1/14/20</a:t>
+              <a:t>1/15/20</a:t>
             </a:fld>
             <a:endParaRPr lang="en-US"/>
           </a:p>
@@ -1252,7 +1252,7 @@
           <a:p>
             <a:fld id="{7F50AB7E-F60A-8B47-966F-1DEFCE34FE71}" type="datetimeFigureOut">
               <a:rPr lang="en-US" smtClean="0"/>
-              <a:t>1/14/20</a:t>
+              <a:t>1/15/20</a:t>
             </a:fld>
             <a:endParaRPr lang="en-US"/>
           </a:p>
@@ -1619,7 +1619,7 @@
           <a:p>
             <a:fld id="{7F50AB7E-F60A-8B47-966F-1DEFCE34FE71}" type="datetimeFigureOut">
               <a:rPr lang="en-US" smtClean="0"/>
-              <a:t>1/14/20</a:t>
+              <a:t>1/15/20</a:t>
             </a:fld>
             <a:endParaRPr lang="en-US"/>
           </a:p>
@@ -1737,7 +1737,7 @@
           <a:p>
             <a:fld id="{7F50AB7E-F60A-8B47-966F-1DEFCE34FE71}" type="datetimeFigureOut">
               <a:rPr lang="en-US" smtClean="0"/>
-              <a:t>1/14/20</a:t>
+              <a:t>1/15/20</a:t>
             </a:fld>
             <a:endParaRPr lang="en-US"/>
           </a:p>
@@ -1832,7 +1832,7 @@
           <a:p>
             <a:fld id="{7F50AB7E-F60A-8B47-966F-1DEFCE34FE71}" type="datetimeFigureOut">
               <a:rPr lang="en-US" smtClean="0"/>
-              <a:t>1/14/20</a:t>
+              <a:t>1/15/20</a:t>
             </a:fld>
             <a:endParaRPr lang="en-US"/>
           </a:p>
@@ -2109,7 +2109,7 @@
           <a:p>
             <a:fld id="{7F50AB7E-F60A-8B47-966F-1DEFCE34FE71}" type="datetimeFigureOut">
               <a:rPr lang="en-US" smtClean="0"/>
-              <a:t>1/14/20</a:t>
+              <a:t>1/15/20</a:t>
             </a:fld>
             <a:endParaRPr lang="en-US"/>
           </a:p>
@@ -2366,7 +2366,7 @@
           <a:p>
             <a:fld id="{7F50AB7E-F60A-8B47-966F-1DEFCE34FE71}" type="datetimeFigureOut">
               <a:rPr lang="en-US" smtClean="0"/>
-              <a:t>1/14/20</a:t>
+              <a:t>1/15/20</a:t>
             </a:fld>
             <a:endParaRPr lang="en-US"/>
           </a:p>
@@ -2579,7 +2579,7 @@
           <a:p>
             <a:fld id="{7F50AB7E-F60A-8B47-966F-1DEFCE34FE71}" type="datetimeFigureOut">
               <a:rPr lang="en-US" smtClean="0"/>
-              <a:t>1/14/20</a:t>
+              <a:t>1/15/20</a:t>
             </a:fld>
             <a:endParaRPr lang="en-US"/>
           </a:p>
@@ -3023,8 +3023,8 @@
             </p:nvSpPr>
             <p:spPr>
               <a:xfrm>
-                <a:off x="2473242" y="963239"/>
-                <a:ext cx="410690" cy="369332"/>
+                <a:off x="2370747" y="756472"/>
+                <a:ext cx="734496" cy="769441"/>
               </a:xfrm>
               <a:prstGeom prst="rect">
                 <a:avLst/>
@@ -3037,6 +3037,7 @@
               </a:bodyPr>
               <a:lstStyle/>
               <a:p>
+                <a:pPr/>
                 <a14:m>
                   <m:oMathPara xmlns:m="http://schemas.openxmlformats.org/officeDocument/2006/math">
                     <m:oMathParaPr>
@@ -3044,7 +3045,7 @@
                     </m:oMathParaPr>
                     <m:oMath xmlns:m="http://schemas.openxmlformats.org/officeDocument/2006/math">
                       <m:r>
-                        <a:rPr lang="en-US" i="1">
+                        <a:rPr lang="en-US" sz="4400" i="1">
                           <a:latin typeface="Cambria Math" charset="0"/>
                         </a:rPr>
                         <m:t>=</m:t>
@@ -3052,7 +3053,7 @@
                     </m:oMath>
                   </m:oMathPara>
                 </a14:m>
-                <a:endParaRPr lang="en-US" dirty="0"/>
+                <a:endParaRPr lang="en-US" sz="4400" dirty="0"/>
               </a:p>
             </p:txBody>
           </p:sp>
@@ -3068,8 +3069,8 @@
             </p:nvSpPr>
             <p:spPr>
               <a:xfrm>
-                <a:off x="2473242" y="963239"/>
-                <a:ext cx="410690" cy="369332"/>
+                <a:off x="2370747" y="756472"/>
+                <a:ext cx="734496" cy="769441"/>
               </a:xfrm>
               <a:prstGeom prst="rect">
                 <a:avLst/>
@@ -3104,8 +3105,8 @@
         </p:nvSpPr>
         <p:spPr>
           <a:xfrm>
-            <a:off x="11477416" y="1047544"/>
-            <a:ext cx="343364" cy="369332"/>
+            <a:off x="11412871" y="617239"/>
+            <a:ext cx="574196" cy="769441"/>
           </a:xfrm>
           <a:prstGeom prst="rect">
             <a:avLst/>
@@ -3118,10 +3119,10 @@
           <a:lstStyle/>
           <a:p>
             <a:r>
-              <a:rPr lang="mr-IN"/>
+              <a:rPr lang="mr-IN" sz="4400" dirty="0"/>
               <a:t>…</a:t>
             </a:r>
-            <a:endParaRPr lang="en-US" dirty="0"/>
+            <a:endParaRPr lang="en-US" sz="4400" dirty="0"/>
           </a:p>
         </p:txBody>
       </p:sp>
@@ -3135,8 +3136,8 @@
             </p:nvSpPr>
             <p:spPr>
               <a:xfrm>
-                <a:off x="5079963" y="968144"/>
-                <a:ext cx="410689" cy="369332"/>
+                <a:off x="5077323" y="756471"/>
+                <a:ext cx="734496" cy="769441"/>
               </a:xfrm>
               <a:prstGeom prst="rect">
                 <a:avLst/>
@@ -3156,7 +3157,7 @@
                     </m:oMathParaPr>
                     <m:oMath xmlns:m="http://schemas.openxmlformats.org/officeDocument/2006/math">
                       <m:r>
-                        <a:rPr lang="en-US" i="1">
+                        <a:rPr lang="en-US" sz="4400" i="1">
                           <a:latin typeface="Cambria Math" charset="0"/>
                         </a:rPr>
                         <m:t>+</m:t>
@@ -3164,7 +3165,7 @@
                     </m:oMath>
                   </m:oMathPara>
                 </a14:m>
-                <a:endParaRPr lang="en-US" dirty="0"/>
+                <a:endParaRPr lang="en-US" sz="4400" dirty="0"/>
               </a:p>
             </p:txBody>
           </p:sp>
@@ -3180,8 +3181,8 @@
             </p:nvSpPr>
             <p:spPr>
               <a:xfrm>
-                <a:off x="5079963" y="968144"/>
-                <a:ext cx="410689" cy="369332"/>
+                <a:off x="5077323" y="756471"/>
+                <a:ext cx="734496" cy="769441"/>
               </a:xfrm>
               <a:prstGeom prst="rect">
                 <a:avLst/>
@@ -3278,8 +3279,8 @@
             </p:nvSpPr>
             <p:spPr>
               <a:xfrm>
-                <a:off x="7842391" y="1005985"/>
-                <a:ext cx="410690" cy="369332"/>
+                <a:off x="7726569" y="756471"/>
+                <a:ext cx="734496" cy="769441"/>
               </a:xfrm>
               <a:prstGeom prst="rect">
                 <a:avLst/>
@@ -3299,7 +3300,7 @@
                     </m:oMathParaPr>
                     <m:oMath xmlns:m="http://schemas.openxmlformats.org/officeDocument/2006/math">
                       <m:r>
-                        <a:rPr lang="en-US" i="1">
+                        <a:rPr lang="en-US" sz="4400" i="1">
                           <a:latin typeface="Cambria Math" charset="0"/>
                         </a:rPr>
                         <m:t>+</m:t>
@@ -3307,7 +3308,7 @@
                     </m:oMath>
                   </m:oMathPara>
                 </a14:m>
-                <a:endParaRPr lang="en-US" dirty="0"/>
+                <a:endParaRPr lang="en-US" sz="4400" dirty="0"/>
               </a:p>
             </p:txBody>
           </p:sp>
@@ -3323,8 +3324,8 @@
             </p:nvSpPr>
             <p:spPr>
               <a:xfrm>
-                <a:off x="7842391" y="1005985"/>
-                <a:ext cx="410690" cy="369332"/>
+                <a:off x="7726569" y="756471"/>
+                <a:ext cx="734496" cy="769441"/>
               </a:xfrm>
               <a:prstGeom prst="rect">
                 <a:avLst/>
@@ -3361,8 +3362,8 @@
             </p:nvSpPr>
             <p:spPr>
               <a:xfrm>
-                <a:off x="10877578" y="996434"/>
-                <a:ext cx="298271" cy="369332"/>
+                <a:off x="10541578" y="763184"/>
+                <a:ext cx="599838" cy="769441"/>
               </a:xfrm>
               <a:prstGeom prst="rect">
                 <a:avLst/>
@@ -3382,7 +3383,7 @@
                     </m:oMathParaPr>
                     <m:oMath xmlns:m="http://schemas.openxmlformats.org/officeDocument/2006/math">
                       <m:r>
-                        <a:rPr lang="en-US" i="1">
+                        <a:rPr lang="en-US" sz="4400" i="1">
                           <a:latin typeface="Cambria Math" charset="0"/>
                         </a:rPr>
                         <m:t>+</m:t>
@@ -3390,7 +3391,7 @@
                     </m:oMath>
                   </m:oMathPara>
                 </a14:m>
-                <a:endParaRPr lang="en-US" dirty="0"/>
+                <a:endParaRPr lang="en-US" sz="4400" dirty="0"/>
               </a:p>
             </p:txBody>
           </p:sp>
@@ -3406,8 +3407,8 @@
             </p:nvSpPr>
             <p:spPr>
               <a:xfrm>
-                <a:off x="10877578" y="996434"/>
-                <a:ext cx="298271" cy="369332"/>
+                <a:off x="10541578" y="763184"/>
+                <a:ext cx="599838" cy="769441"/>
               </a:xfrm>
               <a:prstGeom prst="rect">
                 <a:avLst/>
@@ -3415,7 +3416,7 @@
               <a:blipFill rotWithShape="0">
                 <a:blip r:embed="rId8"/>
                 <a:stretch>
-                  <a:fillRect r="-14286"/>
+                  <a:fillRect/>
                 </a:stretch>
               </a:blipFill>
             </p:spPr>
@@ -3464,6 +3465,762 @@
           </a:prstGeom>
         </p:spPr>
       </p:pic>
+      <p:sp>
+        <p:nvSpPr>
+          <p:cNvPr id="2" name="Rectangle 1"/>
+          <p:cNvSpPr/>
+          <p:nvPr/>
+        </p:nvSpPr>
+        <p:spPr>
+          <a:xfrm>
+            <a:off x="2322417" y="208023"/>
+            <a:ext cx="182880" cy="182880"/>
+          </a:xfrm>
+          <a:prstGeom prst="rect">
+            <a:avLst/>
+          </a:prstGeom>
+          <a:solidFill>
+            <a:schemeClr val="bg1"/>
+          </a:solidFill>
+          <a:ln>
+            <a:solidFill>
+              <a:schemeClr val="bg1"/>
+            </a:solidFill>
+          </a:ln>
+        </p:spPr>
+        <p:style>
+          <a:lnRef idx="2">
+            <a:schemeClr val="accent1">
+              <a:shade val="50000"/>
+            </a:schemeClr>
+          </a:lnRef>
+          <a:fillRef idx="1">
+            <a:schemeClr val="accent1"/>
+          </a:fillRef>
+          <a:effectRef idx="0">
+            <a:schemeClr val="accent1"/>
+          </a:effectRef>
+          <a:fontRef idx="minor">
+            <a:schemeClr val="lt1"/>
+          </a:fontRef>
+        </p:style>
+        <p:txBody>
+          <a:bodyPr rtlCol="0" anchor="ctr"/>
+          <a:lstStyle/>
+          <a:p>
+            <a:pPr algn="ctr"/>
+            <a:endParaRPr lang="en-US"/>
+          </a:p>
+        </p:txBody>
+      </p:sp>
+      <p:sp>
+        <p:nvSpPr>
+          <p:cNvPr id="15" name="Rectangle 14"/>
+          <p:cNvSpPr/>
+          <p:nvPr/>
+        </p:nvSpPr>
+        <p:spPr>
+          <a:xfrm>
+            <a:off x="2311581" y="1796906"/>
+            <a:ext cx="182880" cy="182880"/>
+          </a:xfrm>
+          <a:prstGeom prst="rect">
+            <a:avLst/>
+          </a:prstGeom>
+          <a:solidFill>
+            <a:schemeClr val="bg1"/>
+          </a:solidFill>
+          <a:ln>
+            <a:solidFill>
+              <a:schemeClr val="bg1"/>
+            </a:solidFill>
+          </a:ln>
+        </p:spPr>
+        <p:style>
+          <a:lnRef idx="2">
+            <a:schemeClr val="accent1">
+              <a:shade val="50000"/>
+            </a:schemeClr>
+          </a:lnRef>
+          <a:fillRef idx="1">
+            <a:schemeClr val="accent1"/>
+          </a:fillRef>
+          <a:effectRef idx="0">
+            <a:schemeClr val="accent1"/>
+          </a:effectRef>
+          <a:fontRef idx="minor">
+            <a:schemeClr val="lt1"/>
+          </a:fontRef>
+        </p:style>
+        <p:txBody>
+          <a:bodyPr rtlCol="0" anchor="ctr"/>
+          <a:lstStyle/>
+          <a:p>
+            <a:pPr algn="ctr"/>
+            <a:endParaRPr lang="en-US"/>
+          </a:p>
+        </p:txBody>
+      </p:sp>
+      <p:sp>
+        <p:nvSpPr>
+          <p:cNvPr id="16" name="Rectangle 15"/>
+          <p:cNvSpPr/>
+          <p:nvPr/>
+        </p:nvSpPr>
+        <p:spPr>
+          <a:xfrm>
+            <a:off x="1226176" y="910519"/>
+            <a:ext cx="182880" cy="182880"/>
+          </a:xfrm>
+          <a:prstGeom prst="rect">
+            <a:avLst/>
+          </a:prstGeom>
+          <a:solidFill>
+            <a:schemeClr val="bg1"/>
+          </a:solidFill>
+          <a:ln>
+            <a:solidFill>
+              <a:schemeClr val="bg1"/>
+            </a:solidFill>
+          </a:ln>
+        </p:spPr>
+        <p:style>
+          <a:lnRef idx="2">
+            <a:schemeClr val="accent1">
+              <a:shade val="50000"/>
+            </a:schemeClr>
+          </a:lnRef>
+          <a:fillRef idx="1">
+            <a:schemeClr val="accent1"/>
+          </a:fillRef>
+          <a:effectRef idx="0">
+            <a:schemeClr val="accent1"/>
+          </a:effectRef>
+          <a:fontRef idx="minor">
+            <a:schemeClr val="lt1"/>
+          </a:fontRef>
+        </p:style>
+        <p:txBody>
+          <a:bodyPr rtlCol="0" anchor="ctr"/>
+          <a:lstStyle/>
+          <a:p>
+            <a:pPr algn="ctr"/>
+            <a:endParaRPr lang="en-US"/>
+          </a:p>
+        </p:txBody>
+      </p:sp>
+      <p:sp>
+        <p:nvSpPr>
+          <p:cNvPr id="17" name="Rectangle 16"/>
+          <p:cNvSpPr/>
+          <p:nvPr/>
+        </p:nvSpPr>
+        <p:spPr>
+          <a:xfrm>
+            <a:off x="325121" y="357207"/>
+            <a:ext cx="182880" cy="182880"/>
+          </a:xfrm>
+          <a:prstGeom prst="rect">
+            <a:avLst/>
+          </a:prstGeom>
+          <a:solidFill>
+            <a:schemeClr val="bg1"/>
+          </a:solidFill>
+          <a:ln>
+            <a:solidFill>
+              <a:schemeClr val="bg1"/>
+            </a:solidFill>
+          </a:ln>
+        </p:spPr>
+        <p:style>
+          <a:lnRef idx="2">
+            <a:schemeClr val="accent1">
+              <a:shade val="50000"/>
+            </a:schemeClr>
+          </a:lnRef>
+          <a:fillRef idx="1">
+            <a:schemeClr val="accent1"/>
+          </a:fillRef>
+          <a:effectRef idx="0">
+            <a:schemeClr val="accent1"/>
+          </a:effectRef>
+          <a:fontRef idx="minor">
+            <a:schemeClr val="lt1"/>
+          </a:fontRef>
+        </p:style>
+        <p:txBody>
+          <a:bodyPr rtlCol="0" anchor="ctr"/>
+          <a:lstStyle/>
+          <a:p>
+            <a:pPr algn="ctr"/>
+            <a:endParaRPr lang="en-US"/>
+          </a:p>
+        </p:txBody>
+      </p:sp>
+      <p:sp>
+        <p:nvSpPr>
+          <p:cNvPr id="18" name="Rectangle 17"/>
+          <p:cNvSpPr/>
+          <p:nvPr/>
+        </p:nvSpPr>
+        <p:spPr>
+          <a:xfrm>
+            <a:off x="314285" y="1888859"/>
+            <a:ext cx="182880" cy="182880"/>
+          </a:xfrm>
+          <a:prstGeom prst="rect">
+            <a:avLst/>
+          </a:prstGeom>
+          <a:solidFill>
+            <a:schemeClr val="bg1"/>
+          </a:solidFill>
+          <a:ln>
+            <a:solidFill>
+              <a:schemeClr val="bg1"/>
+            </a:solidFill>
+          </a:ln>
+        </p:spPr>
+        <p:style>
+          <a:lnRef idx="2">
+            <a:schemeClr val="accent1">
+              <a:shade val="50000"/>
+            </a:schemeClr>
+          </a:lnRef>
+          <a:fillRef idx="1">
+            <a:schemeClr val="accent1"/>
+          </a:fillRef>
+          <a:effectRef idx="0">
+            <a:schemeClr val="accent1"/>
+          </a:effectRef>
+          <a:fontRef idx="minor">
+            <a:schemeClr val="lt1"/>
+          </a:fontRef>
+        </p:style>
+        <p:txBody>
+          <a:bodyPr rtlCol="0" anchor="ctr"/>
+          <a:lstStyle/>
+          <a:p>
+            <a:pPr algn="ctr"/>
+            <a:endParaRPr lang="en-US"/>
+          </a:p>
+        </p:txBody>
+      </p:sp>
+      <mc:AlternateContent xmlns:mc="http://schemas.openxmlformats.org/markup-compatibility/2006">
+        <mc:Choice xmlns:a14="http://schemas.microsoft.com/office/drawing/2010/main" Requires="a14">
+          <p:sp>
+            <p:nvSpPr>
+              <p:cNvPr id="14" name="TextBox 13"/>
+              <p:cNvSpPr txBox="1"/>
+              <p:nvPr/>
+            </p:nvSpPr>
+            <p:spPr>
+              <a:xfrm>
+                <a:off x="2208754" y="72479"/>
+                <a:ext cx="612668" cy="584775"/>
+              </a:xfrm>
+              <a:prstGeom prst="rect">
+                <a:avLst/>
+              </a:prstGeom>
+              <a:noFill/>
+            </p:spPr>
+            <p:txBody>
+              <a:bodyPr wrap="none" rtlCol="0">
+                <a:spAutoFit/>
+              </a:bodyPr>
+              <a:lstStyle/>
+              <a:p>
+                <a:pPr/>
+                <a14:m>
+                  <m:oMathPara xmlns:m="http://schemas.openxmlformats.org/officeDocument/2006/math">
+                    <m:oMathParaPr>
+                      <m:jc m:val="centerGroup"/>
+                    </m:oMathParaPr>
+                    <m:oMath xmlns:m="http://schemas.openxmlformats.org/officeDocument/2006/math">
+                      <m:r>
+                        <a:rPr lang="en-US" sz="3200" b="0" i="1" smtClean="0">
+                          <a:latin typeface="Cambria Math" charset="0"/>
+                        </a:rPr>
+                        <m:t>𝑝</m:t>
+                      </m:r>
+                      <m:r>
+                        <a:rPr lang="en-US" sz="3200" b="0" i="1" smtClean="0">
+                          <a:latin typeface="Cambria Math" charset="0"/>
+                        </a:rPr>
+                        <m:t>′</m:t>
+                      </m:r>
+                    </m:oMath>
+                  </m:oMathPara>
+                </a14:m>
+                <a:endParaRPr lang="en-US" sz="3200" dirty="0"/>
+              </a:p>
+            </p:txBody>
+          </p:sp>
+        </mc:Choice>
+        <mc:Fallback>
+          <p:sp>
+            <p:nvSpPr>
+              <p:cNvPr id="14" name="TextBox 13"/>
+              <p:cNvSpPr txBox="1">
+                <a:spLocks noRot="1" noChangeAspect="1" noMove="1" noResize="1" noEditPoints="1" noAdjustHandles="1" noChangeArrowheads="1" noChangeShapeType="1" noTextEdit="1"/>
+              </p:cNvSpPr>
+              <p:nvPr/>
+            </p:nvSpPr>
+            <p:spPr>
+              <a:xfrm>
+                <a:off x="2208754" y="72479"/>
+                <a:ext cx="612668" cy="584775"/>
+              </a:xfrm>
+              <a:prstGeom prst="rect">
+                <a:avLst/>
+              </a:prstGeom>
+              <a:blipFill rotWithShape="0">
+                <a:blip r:embed="rId10"/>
+                <a:stretch>
+                  <a:fillRect/>
+                </a:stretch>
+              </a:blipFill>
+            </p:spPr>
+            <p:txBody>
+              <a:bodyPr/>
+              <a:lstStyle/>
+              <a:p>
+                <a:r>
+                  <a:rPr lang="en-US">
+                    <a:noFill/>
+                  </a:rPr>
+                  <a:t> </a:t>
+                </a:r>
+              </a:p>
+            </p:txBody>
+          </p:sp>
+        </mc:Fallback>
+      </mc:AlternateContent>
+      <mc:AlternateContent xmlns:mc="http://schemas.openxmlformats.org/markup-compatibility/2006">
+        <mc:Choice xmlns:a14="http://schemas.microsoft.com/office/drawing/2010/main" Requires="a14">
+          <p:sp>
+            <p:nvSpPr>
+              <p:cNvPr id="19" name="TextBox 18"/>
+              <p:cNvSpPr txBox="1"/>
+              <p:nvPr/>
+            </p:nvSpPr>
+            <p:spPr>
+              <a:xfrm>
+                <a:off x="2208754" y="1439845"/>
+                <a:ext cx="511870" cy="584775"/>
+              </a:xfrm>
+              <a:prstGeom prst="rect">
+                <a:avLst/>
+              </a:prstGeom>
+              <a:noFill/>
+            </p:spPr>
+            <p:txBody>
+              <a:bodyPr wrap="none" rtlCol="0">
+                <a:spAutoFit/>
+              </a:bodyPr>
+              <a:lstStyle/>
+              <a:p>
+                <a:pPr/>
+                <a14:m>
+                  <m:oMathPara xmlns:m="http://schemas.openxmlformats.org/officeDocument/2006/math">
+                    <m:oMathParaPr>
+                      <m:jc m:val="centerGroup"/>
+                    </m:oMathParaPr>
+                    <m:oMath xmlns:m="http://schemas.openxmlformats.org/officeDocument/2006/math">
+                      <m:r>
+                        <a:rPr lang="en-US" sz="3200" b="0" i="1" smtClean="0">
+                          <a:latin typeface="Cambria Math" charset="0"/>
+                        </a:rPr>
+                        <m:t>𝑝</m:t>
+                      </m:r>
+                    </m:oMath>
+                  </m:oMathPara>
+                </a14:m>
+                <a:endParaRPr lang="en-US" sz="3200" dirty="0"/>
+              </a:p>
+            </p:txBody>
+          </p:sp>
+        </mc:Choice>
+        <mc:Fallback>
+          <p:sp>
+            <p:nvSpPr>
+              <p:cNvPr id="19" name="TextBox 18"/>
+              <p:cNvSpPr txBox="1">
+                <a:spLocks noRot="1" noChangeAspect="1" noMove="1" noResize="1" noEditPoints="1" noAdjustHandles="1" noChangeArrowheads="1" noChangeShapeType="1" noTextEdit="1"/>
+              </p:cNvSpPr>
+              <p:nvPr/>
+            </p:nvSpPr>
+            <p:spPr>
+              <a:xfrm>
+                <a:off x="2208754" y="1439845"/>
+                <a:ext cx="511870" cy="584775"/>
+              </a:xfrm>
+              <a:prstGeom prst="rect">
+                <a:avLst/>
+              </a:prstGeom>
+              <a:blipFill rotWithShape="0">
+                <a:blip r:embed="rId11"/>
+                <a:stretch>
+                  <a:fillRect/>
+                </a:stretch>
+              </a:blipFill>
+            </p:spPr>
+            <p:txBody>
+              <a:bodyPr/>
+              <a:lstStyle/>
+              <a:p>
+                <a:r>
+                  <a:rPr lang="en-US">
+                    <a:noFill/>
+                  </a:rPr>
+                  <a:t> </a:t>
+                </a:r>
+              </a:p>
+            </p:txBody>
+          </p:sp>
+        </mc:Fallback>
+      </mc:AlternateContent>
+      <mc:AlternateContent xmlns:mc="http://schemas.openxmlformats.org/markup-compatibility/2006">
+        <mc:Choice xmlns:a14="http://schemas.microsoft.com/office/drawing/2010/main" Requires="a14">
+          <p:sp>
+            <p:nvSpPr>
+              <p:cNvPr id="20" name="TextBox 19"/>
+              <p:cNvSpPr txBox="1"/>
+              <p:nvPr/>
+            </p:nvSpPr>
+            <p:spPr>
+              <a:xfrm>
+                <a:off x="2208754" y="72479"/>
+                <a:ext cx="511870" cy="584775"/>
+              </a:xfrm>
+              <a:prstGeom prst="rect">
+                <a:avLst/>
+              </a:prstGeom>
+              <a:noFill/>
+            </p:spPr>
+            <p:txBody>
+              <a:bodyPr wrap="none" rtlCol="0">
+                <a:spAutoFit/>
+              </a:bodyPr>
+              <a:lstStyle/>
+              <a:p>
+                <a:pPr/>
+                <a14:m>
+                  <m:oMathPara xmlns:m="http://schemas.openxmlformats.org/officeDocument/2006/math">
+                    <m:oMathParaPr>
+                      <m:jc m:val="centerGroup"/>
+                    </m:oMathParaPr>
+                    <m:oMath xmlns:m="http://schemas.openxmlformats.org/officeDocument/2006/math">
+                      <m:r>
+                        <a:rPr lang="en-US" sz="3200" b="0" i="1" smtClean="0">
+                          <a:latin typeface="Cambria Math" charset="0"/>
+                        </a:rPr>
+                        <m:t>𝑝</m:t>
+                      </m:r>
+                    </m:oMath>
+                  </m:oMathPara>
+                </a14:m>
+                <a:endParaRPr lang="en-US" sz="3200" dirty="0"/>
+              </a:p>
+            </p:txBody>
+          </p:sp>
+        </mc:Choice>
+        <mc:Fallback>
+          <p:sp>
+            <p:nvSpPr>
+              <p:cNvPr id="20" name="TextBox 19"/>
+              <p:cNvSpPr txBox="1">
+                <a:spLocks noRot="1" noChangeAspect="1" noMove="1" noResize="1" noEditPoints="1" noAdjustHandles="1" noChangeArrowheads="1" noChangeShapeType="1" noTextEdit="1"/>
+              </p:cNvSpPr>
+              <p:nvPr/>
+            </p:nvSpPr>
+            <p:spPr>
+              <a:xfrm>
+                <a:off x="2208754" y="72479"/>
+                <a:ext cx="511870" cy="584775"/>
+              </a:xfrm>
+              <a:prstGeom prst="rect">
+                <a:avLst/>
+              </a:prstGeom>
+              <a:blipFill rotWithShape="0">
+                <a:blip r:embed="rId12"/>
+                <a:stretch>
+                  <a:fillRect/>
+                </a:stretch>
+              </a:blipFill>
+            </p:spPr>
+            <p:txBody>
+              <a:bodyPr/>
+              <a:lstStyle/>
+              <a:p>
+                <a:r>
+                  <a:rPr lang="en-US">
+                    <a:noFill/>
+                  </a:rPr>
+                  <a:t> </a:t>
+                </a:r>
+              </a:p>
+            </p:txBody>
+          </p:sp>
+        </mc:Fallback>
+      </mc:AlternateContent>
+      <mc:AlternateContent xmlns:mc="http://schemas.openxmlformats.org/markup-compatibility/2006">
+        <mc:Choice xmlns:a14="http://schemas.microsoft.com/office/drawing/2010/main" Requires="a14">
+          <p:sp>
+            <p:nvSpPr>
+              <p:cNvPr id="21" name="TextBox 20"/>
+              <p:cNvSpPr txBox="1"/>
+              <p:nvPr/>
+            </p:nvSpPr>
+            <p:spPr>
+              <a:xfrm>
+                <a:off x="1144369" y="508624"/>
+                <a:ext cx="511294" cy="584775"/>
+              </a:xfrm>
+              <a:prstGeom prst="rect">
+                <a:avLst/>
+              </a:prstGeom>
+              <a:noFill/>
+            </p:spPr>
+            <p:txBody>
+              <a:bodyPr wrap="none" rtlCol="0">
+                <a:spAutoFit/>
+              </a:bodyPr>
+              <a:lstStyle/>
+              <a:p>
+                <a:pPr/>
+                <a14:m>
+                  <m:oMathPara xmlns:m="http://schemas.openxmlformats.org/officeDocument/2006/math">
+                    <m:oMathParaPr>
+                      <m:jc m:val="centerGroup"/>
+                    </m:oMathParaPr>
+                    <m:oMath xmlns:m="http://schemas.openxmlformats.org/officeDocument/2006/math">
+                      <m:r>
+                        <a:rPr lang="en-US" sz="3200" b="0" i="1" smtClean="0">
+                          <a:latin typeface="Cambria Math" charset="0"/>
+                        </a:rPr>
+                        <m:t>𝑞</m:t>
+                      </m:r>
+                    </m:oMath>
+                  </m:oMathPara>
+                </a14:m>
+                <a:endParaRPr lang="en-US" sz="3200" dirty="0"/>
+              </a:p>
+            </p:txBody>
+          </p:sp>
+        </mc:Choice>
+        <mc:Fallback>
+          <p:sp>
+            <p:nvSpPr>
+              <p:cNvPr id="21" name="TextBox 20"/>
+              <p:cNvSpPr txBox="1">
+                <a:spLocks noRot="1" noChangeAspect="1" noMove="1" noResize="1" noEditPoints="1" noAdjustHandles="1" noChangeArrowheads="1" noChangeShapeType="1" noTextEdit="1"/>
+              </p:cNvSpPr>
+              <p:nvPr/>
+            </p:nvSpPr>
+            <p:spPr>
+              <a:xfrm>
+                <a:off x="1144369" y="508624"/>
+                <a:ext cx="511294" cy="584775"/>
+              </a:xfrm>
+              <a:prstGeom prst="rect">
+                <a:avLst/>
+              </a:prstGeom>
+              <a:blipFill rotWithShape="0">
+                <a:blip r:embed="rId13"/>
+                <a:stretch>
+                  <a:fillRect/>
+                </a:stretch>
+              </a:blipFill>
+            </p:spPr>
+            <p:txBody>
+              <a:bodyPr/>
+              <a:lstStyle/>
+              <a:p>
+                <a:r>
+                  <a:rPr lang="en-US">
+                    <a:noFill/>
+                  </a:rPr>
+                  <a:t> </a:t>
+                </a:r>
+              </a:p>
+            </p:txBody>
+          </p:sp>
+        </mc:Fallback>
+      </mc:AlternateContent>
+      <mc:AlternateContent xmlns:mc="http://schemas.openxmlformats.org/markup-compatibility/2006">
+        <mc:Choice xmlns:a14="http://schemas.microsoft.com/office/drawing/2010/main" Requires="a14">
+          <p:sp>
+            <p:nvSpPr>
+              <p:cNvPr id="22" name="TextBox 21"/>
+              <p:cNvSpPr txBox="1"/>
+              <p:nvPr/>
+            </p:nvSpPr>
+            <p:spPr>
+              <a:xfrm>
+                <a:off x="131310" y="64819"/>
+                <a:ext cx="609461" cy="584775"/>
+              </a:xfrm>
+              <a:prstGeom prst="rect">
+                <a:avLst/>
+              </a:prstGeom>
+              <a:noFill/>
+            </p:spPr>
+            <p:txBody>
+              <a:bodyPr wrap="none" rtlCol="0">
+                <a:spAutoFit/>
+              </a:bodyPr>
+              <a:lstStyle/>
+              <a:p>
+                <a:pPr/>
+                <a14:m>
+                  <m:oMathPara xmlns:m="http://schemas.openxmlformats.org/officeDocument/2006/math">
+                    <m:oMathParaPr>
+                      <m:jc m:val="centerGroup"/>
+                    </m:oMathParaPr>
+                    <m:oMath xmlns:m="http://schemas.openxmlformats.org/officeDocument/2006/math">
+                      <m:r>
+                        <a:rPr lang="en-US" sz="3200" b="0" i="1" smtClean="0">
+                          <a:latin typeface="Cambria Math" charset="0"/>
+                        </a:rPr>
+                        <m:t>𝑘</m:t>
+                      </m:r>
+                      <m:r>
+                        <a:rPr lang="en-US" sz="3200" b="0" i="1" smtClean="0">
+                          <a:latin typeface="Cambria Math" charset="0"/>
+                        </a:rPr>
+                        <m:t>′</m:t>
+                      </m:r>
+                    </m:oMath>
+                  </m:oMathPara>
+                </a14:m>
+                <a:endParaRPr lang="en-US" sz="3200" dirty="0"/>
+              </a:p>
+            </p:txBody>
+          </p:sp>
+        </mc:Choice>
+        <mc:Fallback>
+          <p:sp>
+            <p:nvSpPr>
+              <p:cNvPr id="22" name="TextBox 21"/>
+              <p:cNvSpPr txBox="1">
+                <a:spLocks noRot="1" noChangeAspect="1" noMove="1" noResize="1" noEditPoints="1" noAdjustHandles="1" noChangeArrowheads="1" noChangeShapeType="1" noTextEdit="1"/>
+              </p:cNvSpPr>
+              <p:nvPr/>
+            </p:nvSpPr>
+            <p:spPr>
+              <a:xfrm>
+                <a:off x="131310" y="64819"/>
+                <a:ext cx="609461" cy="584775"/>
+              </a:xfrm>
+              <a:prstGeom prst="rect">
+                <a:avLst/>
+              </a:prstGeom>
+              <a:blipFill rotWithShape="0">
+                <a:blip r:embed="rId14"/>
+                <a:stretch>
+                  <a:fillRect/>
+                </a:stretch>
+              </a:blipFill>
+            </p:spPr>
+            <p:txBody>
+              <a:bodyPr/>
+              <a:lstStyle/>
+              <a:p>
+                <a:r>
+                  <a:rPr lang="en-US">
+                    <a:noFill/>
+                  </a:rPr>
+                  <a:t> </a:t>
+                </a:r>
+              </a:p>
+            </p:txBody>
+          </p:sp>
+        </mc:Fallback>
+      </mc:AlternateContent>
+      <mc:AlternateContent xmlns:mc="http://schemas.openxmlformats.org/markup-compatibility/2006">
+        <mc:Choice xmlns:a14="http://schemas.microsoft.com/office/drawing/2010/main" Requires="a14">
+          <p:sp>
+            <p:nvSpPr>
+              <p:cNvPr id="23" name="TextBox 22"/>
+              <p:cNvSpPr txBox="1"/>
+              <p:nvPr/>
+            </p:nvSpPr>
+            <p:spPr>
+              <a:xfrm>
+                <a:off x="67261" y="1635457"/>
+                <a:ext cx="515719" cy="584775"/>
+              </a:xfrm>
+              <a:prstGeom prst="rect">
+                <a:avLst/>
+              </a:prstGeom>
+              <a:noFill/>
+            </p:spPr>
+            <p:txBody>
+              <a:bodyPr wrap="none" rtlCol="0">
+                <a:spAutoFit/>
+              </a:bodyPr>
+              <a:lstStyle/>
+              <a:p>
+                <a:pPr/>
+                <a14:m>
+                  <m:oMathPara xmlns:m="http://schemas.openxmlformats.org/officeDocument/2006/math">
+                    <m:oMathParaPr>
+                      <m:jc m:val="centerGroup"/>
+                    </m:oMathParaPr>
+                    <m:oMath xmlns:m="http://schemas.openxmlformats.org/officeDocument/2006/math">
+                      <m:r>
+                        <a:rPr lang="en-US" sz="3200" b="0" i="1" smtClean="0">
+                          <a:latin typeface="Cambria Math" charset="0"/>
+                        </a:rPr>
+                        <m:t>𝑘</m:t>
+                      </m:r>
+                    </m:oMath>
+                  </m:oMathPara>
+                </a14:m>
+                <a:endParaRPr lang="en-US" sz="3200" dirty="0"/>
+              </a:p>
+            </p:txBody>
+          </p:sp>
+        </mc:Choice>
+        <mc:Fallback>
+          <p:sp>
+            <p:nvSpPr>
+              <p:cNvPr id="23" name="TextBox 22"/>
+              <p:cNvSpPr txBox="1">
+                <a:spLocks noRot="1" noChangeAspect="1" noMove="1" noResize="1" noEditPoints="1" noAdjustHandles="1" noChangeArrowheads="1" noChangeShapeType="1" noTextEdit="1"/>
+              </p:cNvSpPr>
+              <p:nvPr/>
+            </p:nvSpPr>
+            <p:spPr>
+              <a:xfrm>
+                <a:off x="67261" y="1635457"/>
+                <a:ext cx="515719" cy="584775"/>
+              </a:xfrm>
+              <a:prstGeom prst="rect">
+                <a:avLst/>
+              </a:prstGeom>
+              <a:blipFill rotWithShape="0">
+                <a:blip r:embed="rId15"/>
+                <a:stretch>
+                  <a:fillRect/>
+                </a:stretch>
+              </a:blipFill>
+            </p:spPr>
+            <p:txBody>
+              <a:bodyPr/>
+              <a:lstStyle/>
+              <a:p>
+                <a:r>
+                  <a:rPr lang="en-US">
+                    <a:noFill/>
+                  </a:rPr>
+                  <a:t> </a:t>
+                </a:r>
+              </a:p>
+            </p:txBody>
+          </p:sp>
+        </mc:Fallback>
+      </mc:AlternateContent>
     </p:spTree>
     <p:extLst>
       <p:ext uri="{BB962C8B-B14F-4D97-AF65-F5344CB8AC3E}">
